--- a/hadoop/BI.pptx
+++ b/hadoop/BI.pptx
@@ -104,6 +104,11 @@
       </a:defRPr>
     </a:lvl9pPr>
   </p:defaultTextStyle>
+  <p:extLst>
+    <p:ext uri="{EFAFB233-063F-42B5-8137-9DF3F51BA10A}">
+      <p15:sldGuideLst xmlns:p15="http://schemas.microsoft.com/office/powerpoint/2012/main"/>
+    </p:ext>
+  </p:extLst>
 </p:presentation>
 </file>
 
@@ -2972,7 +2977,7 @@
         </p:nvSpPr>
         <p:spPr>
           <a:xfrm>
-            <a:off x="4052234" y="336884"/>
+            <a:off x="4081109" y="259884"/>
             <a:ext cx="3147463" cy="558265"/>
           </a:xfrm>
           <a:prstGeom prst="roundRect">
@@ -3010,7 +3015,7 @@
         </p:nvSpPr>
         <p:spPr>
           <a:xfrm>
-            <a:off x="5202454" y="433138"/>
+            <a:off x="5221704" y="356138"/>
             <a:ext cx="856647" cy="385010"/>
           </a:xfrm>
           <a:prstGeom prst="roundRect">
@@ -3039,10 +3044,18 @@
           <a:p>
             <a:pPr algn="ctr"/>
             <a:r>
-              <a:rPr lang="en-US" altLang="zh-CN" dirty="0" smtClean="0"/>
+              <a:rPr lang="en-US" altLang="zh-CN" dirty="0" smtClean="0">
+                <a:solidFill>
+                  <a:srgbClr val="0070C0"/>
+                </a:solidFill>
+              </a:rPr>
               <a:t>ZK</a:t>
             </a:r>
-            <a:endParaRPr lang="zh-CN" altLang="en-US" dirty="0"/>
+            <a:endParaRPr lang="zh-CN" altLang="en-US" dirty="0">
+              <a:solidFill>
+                <a:srgbClr val="0070C0"/>
+              </a:solidFill>
+            </a:endParaRPr>
           </a:p>
         </p:txBody>
       </p:sp>
@@ -3054,8 +3067,8 @@
         </p:nvSpPr>
         <p:spPr>
           <a:xfrm>
-            <a:off x="1520789" y="2184936"/>
-            <a:ext cx="1501542" cy="1222408"/>
+            <a:off x="1520789" y="1771049"/>
+            <a:ext cx="1501542" cy="1241658"/>
           </a:xfrm>
           <a:prstGeom prst="roundRect">
             <a:avLst/>
@@ -3086,22 +3099,30 @@
               <a:rPr lang="en-US" altLang="zh-CN" dirty="0" err="1" smtClean="0"/>
               <a:t>NameNode</a:t>
             </a:r>
-            <a:endParaRPr lang="en-US" altLang="zh-CN" dirty="0" smtClean="0"/>
+            <a:r>
+              <a:rPr lang="en-US" altLang="zh-CN" dirty="0" smtClean="0"/>
+              <a:t>(active</a:t>
+            </a:r>
+            <a:r>
+              <a:rPr lang="en-US" altLang="zh-CN" dirty="0" smtClean="0"/>
+              <a:t>)</a:t>
+            </a:r>
           </a:p>
           <a:p>
             <a:pPr algn="ctr"/>
             <a:r>
-              <a:rPr lang="en-US" altLang="zh-CN" dirty="0" smtClean="0"/>
-              <a:t>(active)</a:t>
-            </a:r>
-          </a:p>
-          <a:p>
-            <a:pPr algn="ctr"/>
-            <a:r>
-              <a:rPr lang="en-US" altLang="zh-CN" dirty="0" err="1" smtClean="0"/>
+              <a:rPr lang="en-US" altLang="zh-CN" dirty="0" err="1" smtClean="0">
+                <a:solidFill>
+                  <a:schemeClr val="tx1"/>
+                </a:solidFill>
+              </a:rPr>
               <a:t>ResourceManager</a:t>
             </a:r>
-            <a:endParaRPr lang="zh-CN" altLang="en-US" dirty="0"/>
+            <a:endParaRPr lang="zh-CN" altLang="en-US" dirty="0">
+              <a:solidFill>
+                <a:schemeClr val="tx1"/>
+              </a:solidFill>
+            </a:endParaRPr>
           </a:p>
         </p:txBody>
       </p:sp>
@@ -3113,7 +3134,7 @@
         </p:nvSpPr>
         <p:spPr>
           <a:xfrm>
-            <a:off x="4822255" y="2367808"/>
+            <a:off x="4822255" y="1953921"/>
             <a:ext cx="1299411" cy="558264"/>
           </a:xfrm>
           <a:prstGeom prst="roundRect">
@@ -3157,7 +3178,7 @@
         </p:nvSpPr>
         <p:spPr>
           <a:xfrm>
-            <a:off x="4937758" y="2502566"/>
+            <a:off x="4937758" y="2088679"/>
             <a:ext cx="1299411" cy="558264"/>
           </a:xfrm>
           <a:prstGeom prst="roundRect">
@@ -3201,7 +3222,7 @@
         </p:nvSpPr>
         <p:spPr>
           <a:xfrm>
-            <a:off x="5048446" y="2646949"/>
+            <a:off x="5048446" y="2233062"/>
             <a:ext cx="1299411" cy="558264"/>
           </a:xfrm>
           <a:prstGeom prst="roundRect">
@@ -3245,7 +3266,7 @@
         </p:nvSpPr>
         <p:spPr>
           <a:xfrm>
-            <a:off x="8263284" y="2184936"/>
+            <a:off x="8263284" y="1771049"/>
             <a:ext cx="1501542" cy="1222408"/>
           </a:xfrm>
           <a:prstGeom prst="roundRect">
@@ -3283,24 +3304,24 @@
             <a:pPr algn="ctr"/>
             <a:r>
               <a:rPr lang="en-US" altLang="zh-CN" dirty="0" smtClean="0"/>
-              <a:t>(</a:t>
-            </a:r>
-            <a:r>
-              <a:rPr lang="en-US" altLang="zh-CN" dirty="0" smtClean="0"/>
-              <a:t>standby</a:t>
-            </a:r>
-            <a:r>
-              <a:rPr lang="en-US" altLang="zh-CN" dirty="0" smtClean="0"/>
-              <a:t>)</a:t>
+              <a:t>(standby)</a:t>
             </a:r>
           </a:p>
           <a:p>
             <a:pPr algn="ctr"/>
             <a:r>
-              <a:rPr lang="en-US" altLang="zh-CN" dirty="0" err="1" smtClean="0"/>
+              <a:rPr lang="en-US" altLang="zh-CN" dirty="0" err="1" smtClean="0">
+                <a:solidFill>
+                  <a:schemeClr val="tx1"/>
+                </a:solidFill>
+              </a:rPr>
               <a:t>ResourceManager</a:t>
             </a:r>
-            <a:endParaRPr lang="zh-CN" altLang="en-US" dirty="0"/>
+            <a:endParaRPr lang="zh-CN" altLang="en-US" dirty="0">
+              <a:solidFill>
+                <a:schemeClr val="tx1"/>
+              </a:solidFill>
+            </a:endParaRPr>
           </a:p>
         </p:txBody>
       </p:sp>
@@ -3315,8 +3336,8 @@
         </p:nvCxnSpPr>
         <p:spPr>
           <a:xfrm flipV="1">
-            <a:off x="2271560" y="616017"/>
-            <a:ext cx="1780674" cy="1568919"/>
+            <a:off x="2271560" y="539017"/>
+            <a:ext cx="1809549" cy="1232032"/>
           </a:xfrm>
           <a:prstGeom prst="straightConnector1">
             <a:avLst/>
@@ -3351,8 +3372,8 @@
         </p:nvCxnSpPr>
         <p:spPr>
           <a:xfrm flipH="1" flipV="1">
-            <a:off x="7199697" y="616017"/>
-            <a:ext cx="1814358" cy="1568919"/>
+            <a:off x="7228572" y="539017"/>
+            <a:ext cx="1785483" cy="1232032"/>
           </a:xfrm>
           <a:prstGeom prst="straightConnector1">
             <a:avLst/>
@@ -3387,8 +3408,8 @@
         </p:nvCxnSpPr>
         <p:spPr>
           <a:xfrm flipV="1">
-            <a:off x="3022331" y="2646940"/>
-            <a:ext cx="1799924" cy="149200"/>
+            <a:off x="3022331" y="2233053"/>
+            <a:ext cx="1799924" cy="158825"/>
           </a:xfrm>
           <a:prstGeom prst="straightConnector1">
             <a:avLst/>
@@ -3423,7 +3444,7 @@
         </p:nvCxnSpPr>
         <p:spPr>
           <a:xfrm flipV="1">
-            <a:off x="6347857" y="2796140"/>
+            <a:off x="6347857" y="2382253"/>
             <a:ext cx="1915427" cy="129941"/>
           </a:xfrm>
           <a:prstGeom prst="straightConnector1">
@@ -3483,10 +3504,18 @@
           <a:p>
             <a:pPr algn="ctr"/>
             <a:r>
-              <a:rPr lang="en-US" altLang="zh-CN" dirty="0" err="1" smtClean="0"/>
+              <a:rPr lang="en-US" altLang="zh-CN" dirty="0" err="1" smtClean="0">
+                <a:solidFill>
+                  <a:schemeClr val="bg1"/>
+                </a:solidFill>
+              </a:rPr>
               <a:t>DataNode</a:t>
             </a:r>
-            <a:endParaRPr lang="en-US" altLang="zh-CN" dirty="0" smtClean="0"/>
+            <a:endParaRPr lang="en-US" altLang="zh-CN" dirty="0" smtClean="0">
+              <a:solidFill>
+                <a:schemeClr val="bg1"/>
+              </a:solidFill>
+            </a:endParaRPr>
           </a:p>
           <a:p>
             <a:pPr algn="ctr"/>
@@ -3533,10 +3562,18 @@
           <a:p>
             <a:pPr algn="ctr"/>
             <a:r>
-              <a:rPr lang="en-US" altLang="zh-CN" dirty="0" err="1" smtClean="0"/>
+              <a:rPr lang="en-US" altLang="zh-CN" dirty="0" err="1" smtClean="0">
+                <a:solidFill>
+                  <a:schemeClr val="bg1"/>
+                </a:solidFill>
+              </a:rPr>
               <a:t>DataNode</a:t>
             </a:r>
-            <a:endParaRPr lang="en-US" altLang="zh-CN" dirty="0" smtClean="0"/>
+            <a:endParaRPr lang="en-US" altLang="zh-CN" dirty="0" smtClean="0">
+              <a:solidFill>
+                <a:schemeClr val="bg1"/>
+              </a:solidFill>
+            </a:endParaRPr>
           </a:p>
           <a:p>
             <a:pPr algn="ctr"/>
@@ -3583,10 +3620,18 @@
           <a:p>
             <a:pPr algn="ctr"/>
             <a:r>
-              <a:rPr lang="en-US" altLang="zh-CN" dirty="0" err="1" smtClean="0"/>
+              <a:rPr lang="en-US" altLang="zh-CN" dirty="0" err="1" smtClean="0">
+                <a:solidFill>
+                  <a:schemeClr val="bg1"/>
+                </a:solidFill>
+              </a:rPr>
               <a:t>DataNode</a:t>
             </a:r>
-            <a:endParaRPr lang="en-US" altLang="zh-CN" dirty="0" smtClean="0"/>
+            <a:endParaRPr lang="en-US" altLang="zh-CN" dirty="0" smtClean="0">
+              <a:solidFill>
+                <a:schemeClr val="bg1"/>
+              </a:solidFill>
+            </a:endParaRPr>
           </a:p>
           <a:p>
             <a:pPr algn="ctr"/>
@@ -3633,10 +3678,18 @@
           <a:p>
             <a:pPr algn="ctr"/>
             <a:r>
-              <a:rPr lang="en-US" altLang="zh-CN" dirty="0" err="1" smtClean="0"/>
+              <a:rPr lang="en-US" altLang="zh-CN" dirty="0" err="1" smtClean="0">
+                <a:solidFill>
+                  <a:schemeClr val="bg1"/>
+                </a:solidFill>
+              </a:rPr>
               <a:t>DataNode</a:t>
             </a:r>
-            <a:endParaRPr lang="en-US" altLang="zh-CN" dirty="0" smtClean="0"/>
+            <a:endParaRPr lang="en-US" altLang="zh-CN" dirty="0" smtClean="0">
+              <a:solidFill>
+                <a:schemeClr val="bg1"/>
+              </a:solidFill>
+            </a:endParaRPr>
           </a:p>
           <a:p>
             <a:pPr algn="ctr"/>
@@ -3659,8 +3712,8 @@
         </p:nvCxnSpPr>
         <p:spPr>
           <a:xfrm flipH="1" flipV="1">
-            <a:off x="2271560" y="3407344"/>
-            <a:ext cx="620830" cy="1742174"/>
+            <a:off x="2271560" y="3012707"/>
+            <a:ext cx="620830" cy="2136811"/>
           </a:xfrm>
           <a:prstGeom prst="straightConnector1">
             <a:avLst/>
@@ -3695,8 +3748,8 @@
         </p:nvCxnSpPr>
         <p:spPr>
           <a:xfrm flipH="1" flipV="1">
-            <a:off x="2271560" y="3407344"/>
-            <a:ext cx="2603635" cy="1742174"/>
+            <a:off x="2271560" y="3012707"/>
+            <a:ext cx="2603635" cy="2136811"/>
           </a:xfrm>
           <a:prstGeom prst="straightConnector1">
             <a:avLst/>
@@ -3731,8 +3784,8 @@
         </p:nvCxnSpPr>
         <p:spPr>
           <a:xfrm flipH="1" flipV="1">
-            <a:off x="2271560" y="3407344"/>
-            <a:ext cx="4552752" cy="1742174"/>
+            <a:off x="2271560" y="3012707"/>
+            <a:ext cx="4552752" cy="2136811"/>
           </a:xfrm>
           <a:prstGeom prst="straightConnector1">
             <a:avLst/>
@@ -3767,8 +3820,8 @@
         </p:nvCxnSpPr>
         <p:spPr>
           <a:xfrm flipH="1" flipV="1">
-            <a:off x="2271560" y="3407344"/>
-            <a:ext cx="6547587" cy="1751797"/>
+            <a:off x="2271560" y="3012707"/>
+            <a:ext cx="6547587" cy="2146434"/>
           </a:xfrm>
           <a:prstGeom prst="straightConnector1">
             <a:avLst/>
@@ -3803,8 +3856,8 @@
         </p:nvCxnSpPr>
         <p:spPr>
           <a:xfrm flipV="1">
-            <a:off x="2892390" y="3407344"/>
-            <a:ext cx="6121665" cy="1742174"/>
+            <a:off x="2892390" y="2993457"/>
+            <a:ext cx="6121665" cy="2156061"/>
           </a:xfrm>
           <a:prstGeom prst="straightConnector1">
             <a:avLst/>
@@ -3839,8 +3892,8 @@
         </p:nvCxnSpPr>
         <p:spPr>
           <a:xfrm flipV="1">
-            <a:off x="4875195" y="3407344"/>
-            <a:ext cx="4138860" cy="1742174"/>
+            <a:off x="4875195" y="2993457"/>
+            <a:ext cx="4138860" cy="2156061"/>
           </a:xfrm>
           <a:prstGeom prst="straightConnector1">
             <a:avLst/>
@@ -3875,8 +3928,8 @@
         </p:nvCxnSpPr>
         <p:spPr>
           <a:xfrm flipV="1">
-            <a:off x="6824312" y="3407344"/>
-            <a:ext cx="2189743" cy="1742174"/>
+            <a:off x="6824312" y="2993457"/>
+            <a:ext cx="2189743" cy="2156061"/>
           </a:xfrm>
           <a:prstGeom prst="straightConnector1">
             <a:avLst/>
@@ -3911,8 +3964,8 @@
         </p:nvCxnSpPr>
         <p:spPr>
           <a:xfrm flipV="1">
-            <a:off x="8819147" y="3407344"/>
-            <a:ext cx="194908" cy="1751797"/>
+            <a:off x="8819147" y="2993457"/>
+            <a:ext cx="194908" cy="2165684"/>
           </a:xfrm>
           <a:prstGeom prst="straightConnector1">
             <a:avLst/>
@@ -3944,7 +3997,7 @@
         </p:nvSpPr>
         <p:spPr>
           <a:xfrm>
-            <a:off x="4191799" y="433138"/>
+            <a:off x="4211049" y="356138"/>
             <a:ext cx="856647" cy="385010"/>
           </a:xfrm>
           <a:prstGeom prst="roundRect">
@@ -3973,10 +4026,18 @@
           <a:p>
             <a:pPr algn="ctr"/>
             <a:r>
-              <a:rPr lang="en-US" altLang="zh-CN" dirty="0" smtClean="0"/>
+              <a:rPr lang="en-US" altLang="zh-CN" dirty="0" smtClean="0">
+                <a:solidFill>
+                  <a:srgbClr val="0070C0"/>
+                </a:solidFill>
+              </a:rPr>
               <a:t>ZK</a:t>
             </a:r>
-            <a:endParaRPr lang="zh-CN" altLang="en-US" dirty="0"/>
+            <a:endParaRPr lang="zh-CN" altLang="en-US" dirty="0">
+              <a:solidFill>
+                <a:srgbClr val="0070C0"/>
+              </a:solidFill>
+            </a:endParaRPr>
           </a:p>
         </p:txBody>
       </p:sp>
@@ -3988,7 +4049,7 @@
         </p:nvSpPr>
         <p:spPr>
           <a:xfrm>
-            <a:off x="6213107" y="428327"/>
+            <a:off x="6232357" y="351327"/>
             <a:ext cx="856647" cy="385010"/>
           </a:xfrm>
           <a:prstGeom prst="roundRect">
@@ -4017,10 +4078,18 @@
           <a:p>
             <a:pPr algn="ctr"/>
             <a:r>
-              <a:rPr lang="en-US" altLang="zh-CN" dirty="0" smtClean="0"/>
+              <a:rPr lang="en-US" altLang="zh-CN" dirty="0" smtClean="0">
+                <a:solidFill>
+                  <a:srgbClr val="0070C0"/>
+                </a:solidFill>
+              </a:rPr>
               <a:t>ZK</a:t>
             </a:r>
-            <a:endParaRPr lang="zh-CN" altLang="en-US" dirty="0"/>
+            <a:endParaRPr lang="zh-CN" altLang="en-US" dirty="0">
+              <a:solidFill>
+                <a:srgbClr val="0070C0"/>
+              </a:solidFill>
+            </a:endParaRPr>
           </a:p>
         </p:txBody>
       </p:sp>
